--- a/payments/saturn-openbanking.pptx
+++ b/payments/saturn-openbanking.pptx
@@ -3103,7 +3103,7 @@
         </p:nvSpPr>
         <p:spPr>
           <a:xfrm rot="5400000">
-            <a:off x="3183560" y="3275030"/>
+            <a:off x="3183560" y="3069991"/>
             <a:ext cx="214673" cy="2133941"/>
           </a:xfrm>
           <a:prstGeom prst="downArrow">
@@ -3170,7 +3170,7 @@
         </p:nvSpPr>
         <p:spPr bwMode="auto">
           <a:xfrm>
-            <a:off x="5292080" y="5167834"/>
+            <a:off x="5292080" y="4962795"/>
             <a:ext cx="554367" cy="321681"/>
           </a:xfrm>
           <a:prstGeom prst="can">
@@ -3232,7 +3232,7 @@
         </p:nvCxnSpPr>
         <p:spPr>
           <a:xfrm>
-            <a:off x="5441353" y="4849996"/>
+            <a:off x="5441353" y="4644957"/>
             <a:ext cx="133153" cy="368513"/>
           </a:xfrm>
           <a:prstGeom prst="line">
@@ -3268,7 +3268,7 @@
         </p:nvSpPr>
         <p:spPr>
           <a:xfrm>
-            <a:off x="467544" y="3429000"/>
+            <a:off x="467544" y="3223961"/>
             <a:ext cx="5644119" cy="2664296"/>
           </a:xfrm>
           <a:prstGeom prst="roundRect">
@@ -3314,7 +3314,7 @@
         </p:nvSpPr>
         <p:spPr>
           <a:xfrm>
-            <a:off x="711668" y="3904019"/>
+            <a:off x="711668" y="3698980"/>
             <a:ext cx="1431586" cy="864096"/>
           </a:xfrm>
           <a:prstGeom prst="ellipse">
@@ -3416,7 +3416,7 @@
         </p:nvSpPr>
         <p:spPr>
           <a:xfrm>
-            <a:off x="1312670" y="2224028"/>
+            <a:off x="1312670" y="2018989"/>
             <a:ext cx="214673" cy="1625936"/>
           </a:xfrm>
           <a:prstGeom prst="downArrow">
@@ -3480,7 +3480,7 @@
         </p:nvSpPr>
         <p:spPr>
           <a:xfrm>
-            <a:off x="962671" y="2567045"/>
+            <a:off x="962671" y="2362006"/>
             <a:ext cx="912173" cy="523220"/>
           </a:xfrm>
           <a:prstGeom prst="rect">
@@ -3568,7 +3568,7 @@
         </p:nvSpPr>
         <p:spPr>
           <a:xfrm>
-            <a:off x="354317" y="1913054"/>
+            <a:off x="354317" y="1708015"/>
             <a:ext cx="2146287" cy="307777"/>
           </a:xfrm>
           <a:prstGeom prst="rect">
@@ -3630,7 +3630,7 @@
         </p:nvCxnSpPr>
         <p:spPr>
           <a:xfrm flipH="1" flipV="1">
-            <a:off x="3543251" y="2420888"/>
+            <a:off x="3543251" y="2215849"/>
             <a:ext cx="868909" cy="1351602"/>
           </a:xfrm>
           <a:prstGeom prst="line">
@@ -3668,7 +3668,7 @@
         </p:nvGrpSpPr>
         <p:grpSpPr>
           <a:xfrm>
-            <a:off x="2572402" y="5002090"/>
+            <a:off x="2572402" y="4797051"/>
             <a:ext cx="1331011" cy="974851"/>
             <a:chOff x="4013200" y="3014663"/>
             <a:chExt cx="1117600" cy="828675"/>
@@ -4298,7 +4298,7 @@
         </p:nvSpPr>
         <p:spPr>
           <a:xfrm>
-            <a:off x="6346845" y="3262269"/>
+            <a:off x="6346845" y="3057230"/>
             <a:ext cx="2403222" cy="954107"/>
           </a:xfrm>
           <a:prstGeom prst="rect">
@@ -4416,7 +4416,7 @@
         </p:nvSpPr>
         <p:spPr>
           <a:xfrm>
-            <a:off x="4411358" y="5744340"/>
+            <a:off x="4411358" y="5539301"/>
             <a:ext cx="1648207" cy="307777"/>
           </a:xfrm>
           <a:prstGeom prst="rect">
@@ -4478,7 +4478,7 @@
         </p:nvSpPr>
         <p:spPr>
           <a:xfrm rot="5400000" flipH="1">
-            <a:off x="3348152" y="2534003"/>
+            <a:off x="3348152" y="2328964"/>
             <a:ext cx="1109242" cy="3296160"/>
           </a:xfrm>
           <a:custGeom>
@@ -5121,7 +5121,7 @@
         </p:nvSpPr>
         <p:spPr>
           <a:xfrm>
-            <a:off x="2843808" y="4076416"/>
+            <a:off x="2843808" y="3871377"/>
             <a:ext cx="652743" cy="523220"/>
           </a:xfrm>
           <a:prstGeom prst="rect">
@@ -5203,7 +5203,7 @@
         </p:nvSpPr>
         <p:spPr>
           <a:xfrm>
-            <a:off x="4114338" y="3785062"/>
+            <a:off x="4114338" y="3580023"/>
             <a:ext cx="1699932" cy="1127587"/>
           </a:xfrm>
           <a:prstGeom prst="roundRect">
@@ -5292,7 +5292,7 @@
         </p:blipFill>
         <p:spPr>
           <a:xfrm>
-            <a:off x="4397131" y="3933056"/>
+            <a:off x="4397131" y="3728017"/>
             <a:ext cx="1051571" cy="361813"/>
           </a:xfrm>
           <a:prstGeom prst="rect">
@@ -5308,7 +5308,7 @@
         </p:nvSpPr>
         <p:spPr>
           <a:xfrm>
-            <a:off x="4128868" y="4348478"/>
+            <a:off x="4128868" y="4143439"/>
             <a:ext cx="1665521" cy="523220"/>
           </a:xfrm>
           <a:prstGeom prst="rect">
@@ -5404,7 +5404,7 @@
         </p:blipFill>
         <p:spPr bwMode="auto">
           <a:xfrm>
-            <a:off x="2976602" y="1833839"/>
+            <a:off x="2976602" y="1628800"/>
             <a:ext cx="459335" cy="459335"/>
           </a:xfrm>
           <a:prstGeom prst="rect">
@@ -5437,7 +5437,7 @@
         </p:nvCxnSpPr>
         <p:spPr>
           <a:xfrm flipV="1">
-            <a:off x="5505224" y="2224028"/>
+            <a:off x="5505224" y="2018989"/>
             <a:ext cx="606439" cy="1548462"/>
           </a:xfrm>
           <a:prstGeom prst="line">
@@ -5475,7 +5475,7 @@
         </p:nvCxnSpPr>
         <p:spPr>
           <a:xfrm flipH="1" flipV="1">
-            <a:off x="3908104" y="2304258"/>
+            <a:off x="3908104" y="2099219"/>
             <a:ext cx="936104" cy="1461697"/>
           </a:xfrm>
           <a:prstGeom prst="line">
@@ -5511,7 +5511,7 @@
         </p:nvSpPr>
         <p:spPr>
           <a:xfrm>
-            <a:off x="2843808" y="2567045"/>
+            <a:off x="2843808" y="2362006"/>
             <a:ext cx="1040670" cy="523220"/>
           </a:xfrm>
           <a:prstGeom prst="rect">
@@ -5599,7 +5599,7 @@
         </p:nvSpPr>
         <p:spPr>
           <a:xfrm>
-            <a:off x="4139952" y="2567045"/>
+            <a:off x="4139952" y="2362006"/>
             <a:ext cx="851515" cy="523220"/>
           </a:xfrm>
           <a:prstGeom prst="rect">
@@ -5687,7 +5687,7 @@
         </p:nvSpPr>
         <p:spPr>
           <a:xfrm>
-            <a:off x="5436096" y="2567045"/>
+            <a:off x="5436096" y="2362006"/>
             <a:ext cx="891591" cy="523220"/>
           </a:xfrm>
           <a:prstGeom prst="rect">
@@ -5775,7 +5775,7 @@
         </p:nvSpPr>
         <p:spPr>
           <a:xfrm>
-            <a:off x="5148064" y="1913054"/>
+            <a:off x="5148064" y="1708015"/>
             <a:ext cx="2007280" cy="307777"/>
           </a:xfrm>
           <a:prstGeom prst="rect">
@@ -5837,7 +5837,7 @@
         </p:nvSpPr>
         <p:spPr>
           <a:xfrm>
-            <a:off x="4283968" y="5085184"/>
+            <a:off x="4283968" y="4880145"/>
             <a:ext cx="1000595" cy="523220"/>
           </a:xfrm>
           <a:prstGeom prst="rect">
@@ -5917,7 +5917,7 @@
         </p:nvSpPr>
         <p:spPr>
           <a:xfrm>
-            <a:off x="3832404" y="1913054"/>
+            <a:off x="3832404" y="1708015"/>
             <a:ext cx="1253613" cy="307777"/>
           </a:xfrm>
           <a:prstGeom prst="rect">
@@ -5978,7 +5978,7 @@
         </p:nvSpPr>
         <p:spPr>
           <a:xfrm>
-            <a:off x="2496857" y="1913054"/>
+            <a:off x="2496857" y="1708015"/>
             <a:ext cx="562975" cy="307777"/>
           </a:xfrm>
           <a:prstGeom prst="rect">
@@ -6039,7 +6039,7 @@
         </p:nvGrpSpPr>
         <p:grpSpPr>
           <a:xfrm>
-            <a:off x="3491880" y="1840619"/>
+            <a:off x="3491880" y="1635580"/>
             <a:ext cx="357790" cy="502719"/>
             <a:chOff x="4671633" y="1375561"/>
             <a:chExt cx="357790" cy="502719"/>
@@ -6300,7 +6300,7 @@
         </p:nvSpPr>
         <p:spPr>
           <a:xfrm>
-            <a:off x="571610" y="4838950"/>
+            <a:off x="571610" y="4633911"/>
             <a:ext cx="1718740" cy="523220"/>
           </a:xfrm>
           <a:prstGeom prst="rect">
@@ -6393,6 +6393,42 @@
               </a:rPr>
               <a:t> Primitives</a:t>
             </a:r>
+          </a:p>
+        </p:txBody>
+      </p:sp>
+      <p:sp>
+        <p:nvSpPr>
+          <p:cNvPr id="2" name="TextBox 1"/>
+          <p:cNvSpPr txBox="1"/>
+          <p:nvPr/>
+        </p:nvSpPr>
+        <p:spPr>
+          <a:xfrm>
+            <a:off x="2016725" y="476672"/>
+            <a:ext cx="5147563" cy="523220"/>
+          </a:xfrm>
+          <a:prstGeom prst="rect">
+            <a:avLst/>
+          </a:prstGeom>
+          <a:noFill/>
+        </p:spPr>
+        <p:txBody>
+          <a:bodyPr wrap="none" rtlCol="0">
+            <a:spAutoFit/>
+          </a:bodyPr>
+          <a:lstStyle/>
+          <a:p>
+            <a:r>
+              <a:rPr lang="en-US" sz="2800" dirty="0" smtClean="0">
+                <a:latin typeface="Times New Roman" panose="02020603050405020304" pitchFamily="18" charset="0"/>
+                <a:cs typeface="Times New Roman" panose="02020603050405020304" pitchFamily="18" charset="0"/>
+              </a:rPr>
+              <a:t>Saturn / Open Banking Integration</a:t>
+            </a:r>
+            <a:endParaRPr lang="en-US" sz="2800" dirty="0">
+              <a:latin typeface="Times New Roman" panose="02020603050405020304" pitchFamily="18" charset="0"/>
+              <a:cs typeface="Times New Roman" panose="02020603050405020304" pitchFamily="18" charset="0"/>
+            </a:endParaRPr>
           </a:p>
         </p:txBody>
       </p:sp>

--- a/payments/saturn-openbanking.pptx
+++ b/payments/saturn-openbanking.pptx
@@ -288,7 +288,7 @@
           <a:p>
             <a:fld id="{FE398CD6-77FF-42E1-B299-E17665EBA674}" type="datetimeFigureOut">
               <a:rPr lang="en-US" smtClean="0"/>
-              <a:t>2020-06-01</a:t>
+              <a:t>2020-06-04</a:t>
             </a:fld>
             <a:endParaRPr lang="en-US"/>
           </a:p>
@@ -458,7 +458,7 @@
           <a:p>
             <a:fld id="{FE398CD6-77FF-42E1-B299-E17665EBA674}" type="datetimeFigureOut">
               <a:rPr lang="en-US" smtClean="0"/>
-              <a:t>2020-06-01</a:t>
+              <a:t>2020-06-04</a:t>
             </a:fld>
             <a:endParaRPr lang="en-US"/>
           </a:p>
@@ -638,7 +638,7 @@
           <a:p>
             <a:fld id="{FE398CD6-77FF-42E1-B299-E17665EBA674}" type="datetimeFigureOut">
               <a:rPr lang="en-US" smtClean="0"/>
-              <a:t>2020-06-01</a:t>
+              <a:t>2020-06-04</a:t>
             </a:fld>
             <a:endParaRPr lang="en-US"/>
           </a:p>
@@ -808,7 +808,7 @@
           <a:p>
             <a:fld id="{FE398CD6-77FF-42E1-B299-E17665EBA674}" type="datetimeFigureOut">
               <a:rPr lang="en-US" smtClean="0"/>
-              <a:t>2020-06-01</a:t>
+              <a:t>2020-06-04</a:t>
             </a:fld>
             <a:endParaRPr lang="en-US"/>
           </a:p>
@@ -1054,7 +1054,7 @@
           <a:p>
             <a:fld id="{FE398CD6-77FF-42E1-B299-E17665EBA674}" type="datetimeFigureOut">
               <a:rPr lang="en-US" smtClean="0"/>
-              <a:t>2020-06-01</a:t>
+              <a:t>2020-06-04</a:t>
             </a:fld>
             <a:endParaRPr lang="en-US"/>
           </a:p>
@@ -1342,7 +1342,7 @@
           <a:p>
             <a:fld id="{FE398CD6-77FF-42E1-B299-E17665EBA674}" type="datetimeFigureOut">
               <a:rPr lang="en-US" smtClean="0"/>
-              <a:t>2020-06-01</a:t>
+              <a:t>2020-06-04</a:t>
             </a:fld>
             <a:endParaRPr lang="en-US"/>
           </a:p>
@@ -1764,7 +1764,7 @@
           <a:p>
             <a:fld id="{FE398CD6-77FF-42E1-B299-E17665EBA674}" type="datetimeFigureOut">
               <a:rPr lang="en-US" smtClean="0"/>
-              <a:t>2020-06-01</a:t>
+              <a:t>2020-06-04</a:t>
             </a:fld>
             <a:endParaRPr lang="en-US"/>
           </a:p>
@@ -1882,7 +1882,7 @@
           <a:p>
             <a:fld id="{FE398CD6-77FF-42E1-B299-E17665EBA674}" type="datetimeFigureOut">
               <a:rPr lang="en-US" smtClean="0"/>
-              <a:t>2020-06-01</a:t>
+              <a:t>2020-06-04</a:t>
             </a:fld>
             <a:endParaRPr lang="en-US"/>
           </a:p>
@@ -1977,7 +1977,7 @@
           <a:p>
             <a:fld id="{FE398CD6-77FF-42E1-B299-E17665EBA674}" type="datetimeFigureOut">
               <a:rPr lang="en-US" smtClean="0"/>
-              <a:t>2020-06-01</a:t>
+              <a:t>2020-06-04</a:t>
             </a:fld>
             <a:endParaRPr lang="en-US"/>
           </a:p>
@@ -2254,7 +2254,7 @@
           <a:p>
             <a:fld id="{FE398CD6-77FF-42E1-B299-E17665EBA674}" type="datetimeFigureOut">
               <a:rPr lang="en-US" smtClean="0"/>
-              <a:t>2020-06-01</a:t>
+              <a:t>2020-06-04</a:t>
             </a:fld>
             <a:endParaRPr lang="en-US"/>
           </a:p>
@@ -2507,7 +2507,7 @@
           <a:p>
             <a:fld id="{FE398CD6-77FF-42E1-B299-E17665EBA674}" type="datetimeFigureOut">
               <a:rPr lang="en-US" smtClean="0"/>
-              <a:t>2020-06-01</a:t>
+              <a:t>2020-06-04</a:t>
             </a:fld>
             <a:endParaRPr lang="en-US"/>
           </a:p>
@@ -2720,7 +2720,7 @@
           <a:p>
             <a:fld id="{FE398CD6-77FF-42E1-B299-E17665EBA674}" type="datetimeFigureOut">
               <a:rPr lang="en-US" smtClean="0"/>
-              <a:t>2020-06-01</a:t>
+              <a:t>2020-06-04</a:t>
             </a:fld>
             <a:endParaRPr lang="en-US"/>
           </a:p>
@@ -3323,7 +3323,7 @@
           <a:gradFill flip="none" rotWithShape="1">
             <a:gsLst>
               <a:gs pos="50000">
-                <a:srgbClr val="FBF7C9"/>
+                <a:srgbClr val="FFFFE7"/>
               </a:gs>
               <a:gs pos="1000">
                 <a:srgbClr val="F2E648"/>
@@ -3332,10 +3332,8 @@
                 <a:srgbClr val="EDE437"/>
               </a:gs>
             </a:gsLst>
-            <a:path path="circle">
-              <a:fillToRect l="100000" t="100000"/>
-            </a:path>
-            <a:tileRect r="-100000" b="-100000"/>
+            <a:lin ang="2700000" scaled="1"/>
+            <a:tileRect/>
           </a:gradFill>
           <a:ln w="12700">
             <a:solidFill>
@@ -3410,158 +3408,6 @@
       </p:sp>
       <p:sp>
         <p:nvSpPr>
-          <p:cNvPr id="17" name="Down Arrow 16"/>
-          <p:cNvSpPr/>
-          <p:nvPr/>
-        </p:nvSpPr>
-        <p:spPr>
-          <a:xfrm>
-            <a:off x="1312670" y="2018989"/>
-            <a:ext cx="214673" cy="1625936"/>
-          </a:xfrm>
-          <a:prstGeom prst="downArrow">
-            <a:avLst/>
-          </a:prstGeom>
-          <a:gradFill>
-            <a:gsLst>
-              <a:gs pos="0">
-                <a:schemeClr val="accent3"/>
-              </a:gs>
-              <a:gs pos="52000">
-                <a:schemeClr val="bg1"/>
-              </a:gs>
-              <a:gs pos="43000">
-                <a:schemeClr val="bg1"/>
-              </a:gs>
-              <a:gs pos="100000">
-                <a:schemeClr val="accent3"/>
-              </a:gs>
-            </a:gsLst>
-            <a:lin ang="0" scaled="0"/>
-          </a:gradFill>
-          <a:ln w="12700">
-            <a:solidFill>
-              <a:schemeClr val="accent3">
-                <a:lumMod val="75000"/>
-              </a:schemeClr>
-            </a:solidFill>
-          </a:ln>
-        </p:spPr>
-        <p:style>
-          <a:lnRef idx="2">
-            <a:schemeClr val="accent1">
-              <a:shade val="50000"/>
-            </a:schemeClr>
-          </a:lnRef>
-          <a:fillRef idx="1">
-            <a:schemeClr val="accent1"/>
-          </a:fillRef>
-          <a:effectRef idx="0">
-            <a:schemeClr val="accent1"/>
-          </a:effectRef>
-          <a:fontRef idx="minor">
-            <a:schemeClr val="lt1"/>
-          </a:fontRef>
-        </p:style>
-        <p:txBody>
-          <a:bodyPr rtlCol="0" anchor="ctr"/>
-          <a:lstStyle/>
-          <a:p>
-            <a:pPr algn="ctr"/>
-            <a:endParaRPr lang="en-US"/>
-          </a:p>
-        </p:txBody>
-      </p:sp>
-      <p:sp>
-        <p:nvSpPr>
-          <p:cNvPr id="18" name="Rectangle 17"/>
-          <p:cNvSpPr/>
-          <p:nvPr/>
-        </p:nvSpPr>
-        <p:spPr>
-          <a:xfrm>
-            <a:off x="962671" y="2362006"/>
-            <a:ext cx="912173" cy="523220"/>
-          </a:xfrm>
-          <a:prstGeom prst="rect">
-            <a:avLst/>
-          </a:prstGeom>
-          <a:solidFill>
-            <a:schemeClr val="bg1"/>
-          </a:solidFill>
-          <a:ln w="6350"/>
-          <a:effectLst>
-            <a:outerShdw blurRad="50800" dist="38100" dir="2700000" algn="tl" rotWithShape="0">
-              <a:prstClr val="black">
-                <a:alpha val="40000"/>
-              </a:prstClr>
-            </a:outerShdw>
-          </a:effectLst>
-        </p:spPr>
-        <p:style>
-          <a:lnRef idx="2">
-            <a:schemeClr val="accent1">
-              <a:shade val="50000"/>
-            </a:schemeClr>
-          </a:lnRef>
-          <a:fillRef idx="1">
-            <a:schemeClr val="accent1"/>
-          </a:fillRef>
-          <a:effectRef idx="0">
-            <a:schemeClr val="accent1"/>
-          </a:effectRef>
-          <a:fontRef idx="minor">
-            <a:schemeClr val="lt1"/>
-          </a:fontRef>
-        </p:style>
-        <p:txBody>
-          <a:bodyPr wrap="none" rtlCol="0" anchor="ctr">
-            <a:spAutoFit/>
-          </a:bodyPr>
-          <a:lstStyle/>
-          <a:p>
-            <a:pPr algn="ctr"/>
-            <a:r>
-              <a:rPr lang="en-US" sz="1400" dirty="0" smtClean="0">
-                <a:solidFill>
-                  <a:schemeClr val="tx1"/>
-                </a:solidFill>
-                <a:latin typeface="Arial" panose="020B0604020202020204" pitchFamily="34" charset="0"/>
-                <a:cs typeface="Arial" panose="020B0604020202020204" pitchFamily="34" charset="0"/>
-              </a:rPr>
-              <a:t>Standard</a:t>
-            </a:r>
-            <a:br>
-              <a:rPr lang="en-US" sz="1400" dirty="0" smtClean="0">
-                <a:solidFill>
-                  <a:schemeClr val="tx1"/>
-                </a:solidFill>
-                <a:latin typeface="Arial" panose="020B0604020202020204" pitchFamily="34" charset="0"/>
-                <a:cs typeface="Arial" panose="020B0604020202020204" pitchFamily="34" charset="0"/>
-              </a:rPr>
-            </a:br>
-            <a:r>
-              <a:rPr lang="en-US" sz="1400" dirty="0" smtClean="0">
-                <a:solidFill>
-                  <a:schemeClr val="tx1"/>
-                </a:solidFill>
-                <a:latin typeface="Arial" panose="020B0604020202020204" pitchFamily="34" charset="0"/>
-                <a:cs typeface="Arial" panose="020B0604020202020204" pitchFamily="34" charset="0"/>
-              </a:rPr>
-              <a:t>Mode</a:t>
-            </a:r>
-            <a:endParaRPr lang="en-US" sz="1400" dirty="0">
-              <a:solidFill>
-                <a:schemeClr val="tx1"/>
-              </a:solidFill>
-              <a:latin typeface="Arial" panose="020B0604020202020204" pitchFamily="34" charset="0"/>
-              <a:cs typeface="Arial" panose="020B0604020202020204" pitchFamily="34" charset="0"/>
-            </a:endParaRPr>
-          </a:p>
-        </p:txBody>
-      </p:sp>
-      <p:sp>
-        <p:nvSpPr>
           <p:cNvPr id="36" name="Rectangle 35"/>
           <p:cNvSpPr/>
           <p:nvPr/>
@@ -3630,7 +3476,7 @@
         </p:nvCxnSpPr>
         <p:spPr>
           <a:xfrm flipH="1" flipV="1">
-            <a:off x="3543251" y="2215849"/>
+            <a:off x="3452058" y="2215849"/>
             <a:ext cx="868909" cy="1351602"/>
           </a:xfrm>
           <a:prstGeom prst="line">
@@ -4298,7 +4144,7 @@
         </p:nvSpPr>
         <p:spPr>
           <a:xfrm>
-            <a:off x="6346845" y="3057230"/>
+            <a:off x="6300192" y="3651402"/>
             <a:ext cx="2403222" cy="954107"/>
           </a:xfrm>
           <a:prstGeom prst="rect">
@@ -4358,7 +4204,37 @@
                 <a:latin typeface="Arial" panose="020B0604020202020204" pitchFamily="34" charset="0"/>
                 <a:cs typeface="Arial" panose="020B0604020202020204" pitchFamily="34" charset="0"/>
               </a:rPr>
-              <a:t>three dedicated APIs, each</a:t>
+              <a:t>four</a:t>
+            </a:r>
+            <a:r>
+              <a:rPr lang="en-US" sz="1400" dirty="0" smtClean="0">
+                <a:solidFill>
+                  <a:schemeClr val="tx1"/>
+                </a:solidFill>
+                <a:latin typeface="Arial" panose="020B0604020202020204" pitchFamily="34" charset="0"/>
+                <a:cs typeface="Arial" panose="020B0604020202020204" pitchFamily="34" charset="0"/>
+              </a:rPr>
+              <a:t> dedicated APIs</a:t>
+            </a:r>
+            <a:r>
+              <a:rPr lang="en-US" sz="1400" dirty="0" smtClean="0">
+                <a:solidFill>
+                  <a:schemeClr val="tx1"/>
+                </a:solidFill>
+                <a:latin typeface="Arial" panose="020B0604020202020204" pitchFamily="34" charset="0"/>
+                <a:cs typeface="Arial" panose="020B0604020202020204" pitchFamily="34" charset="0"/>
+              </a:rPr>
+              <a:t>, </a:t>
+            </a:r>
+            <a:r>
+              <a:rPr lang="en-US" sz="1400" dirty="0" smtClean="0">
+                <a:solidFill>
+                  <a:schemeClr val="tx1"/>
+                </a:solidFill>
+                <a:latin typeface="Arial" panose="020B0604020202020204" pitchFamily="34" charset="0"/>
+                <a:cs typeface="Arial" panose="020B0604020202020204" pitchFamily="34" charset="0"/>
+              </a:rPr>
+              <a:t>each</a:t>
             </a:r>
             <a:br>
               <a:rPr lang="en-US" sz="1400" dirty="0" smtClean="0">
@@ -4377,7 +4253,27 @@
                 <a:latin typeface="Arial" panose="020B0604020202020204" pitchFamily="34" charset="0"/>
                 <a:cs typeface="Arial" panose="020B0604020202020204" pitchFamily="34" charset="0"/>
               </a:rPr>
-              <a:t>having a for the purpose</a:t>
+              <a:t>having </a:t>
+            </a:r>
+            <a:r>
+              <a:rPr lang="en-US" sz="1400" dirty="0" smtClean="0">
+                <a:solidFill>
+                  <a:schemeClr val="tx1"/>
+                </a:solidFill>
+                <a:latin typeface="Arial" panose="020B0604020202020204" pitchFamily="34" charset="0"/>
+                <a:cs typeface="Arial" panose="020B0604020202020204" pitchFamily="34" charset="0"/>
+              </a:rPr>
+              <a:t>a for </a:t>
+            </a:r>
+            <a:r>
+              <a:rPr lang="en-US" sz="1400" dirty="0" smtClean="0">
+                <a:solidFill>
+                  <a:schemeClr val="tx1"/>
+                </a:solidFill>
+                <a:latin typeface="Arial" panose="020B0604020202020204" pitchFamily="34" charset="0"/>
+                <a:cs typeface="Arial" panose="020B0604020202020204" pitchFamily="34" charset="0"/>
+              </a:rPr>
+              <a:t>the purpose</a:t>
             </a:r>
             <a:br>
               <a:rPr lang="en-US" sz="1400" dirty="0" smtClean="0">
@@ -5404,7 +5300,7 @@
         </p:blipFill>
         <p:spPr bwMode="auto">
           <a:xfrm>
-            <a:off x="2976602" y="1628800"/>
+            <a:off x="2891505" y="1628800"/>
             <a:ext cx="459335" cy="459335"/>
           </a:xfrm>
           <a:prstGeom prst="rect">
@@ -5429,80 +5325,6 @@
           </a:extLst>
         </p:spPr>
       </p:pic>
-      <p:cxnSp>
-        <p:nvCxnSpPr>
-          <p:cNvPr id="52" name="Straight Connector 51"/>
-          <p:cNvCxnSpPr/>
-          <p:nvPr/>
-        </p:nvCxnSpPr>
-        <p:spPr>
-          <a:xfrm flipV="1">
-            <a:off x="5505224" y="2018989"/>
-            <a:ext cx="606439" cy="1548462"/>
-          </a:xfrm>
-          <a:prstGeom prst="line">
-            <a:avLst/>
-          </a:prstGeom>
-          <a:ln w="38100">
-            <a:solidFill>
-              <a:schemeClr val="accent3">
-                <a:lumMod val="75000"/>
-              </a:schemeClr>
-            </a:solidFill>
-            <a:headEnd type="triangle"/>
-          </a:ln>
-        </p:spPr>
-        <p:style>
-          <a:lnRef idx="1">
-            <a:schemeClr val="accent1"/>
-          </a:lnRef>
-          <a:fillRef idx="0">
-            <a:schemeClr val="accent1"/>
-          </a:fillRef>
-          <a:effectRef idx="0">
-            <a:schemeClr val="accent1"/>
-          </a:effectRef>
-          <a:fontRef idx="minor">
-            <a:schemeClr val="tx1"/>
-          </a:fontRef>
-        </p:style>
-      </p:cxnSp>
-      <p:cxnSp>
-        <p:nvCxnSpPr>
-          <p:cNvPr id="53" name="Straight Connector 52"/>
-          <p:cNvCxnSpPr/>
-          <p:nvPr/>
-        </p:nvCxnSpPr>
-        <p:spPr>
-          <a:xfrm flipH="1" flipV="1">
-            <a:off x="3908104" y="2099219"/>
-            <a:ext cx="936104" cy="1461697"/>
-          </a:xfrm>
-          <a:prstGeom prst="line">
-            <a:avLst/>
-          </a:prstGeom>
-          <a:ln w="38100">
-            <a:solidFill>
-              <a:schemeClr val="accent5"/>
-            </a:solidFill>
-            <a:headEnd type="triangle"/>
-          </a:ln>
-        </p:spPr>
-        <p:style>
-          <a:lnRef idx="1">
-            <a:schemeClr val="accent1"/>
-          </a:lnRef>
-          <a:fillRef idx="0">
-            <a:schemeClr val="accent1"/>
-          </a:fillRef>
-          <a:effectRef idx="0">
-            <a:schemeClr val="accent1"/>
-          </a:effectRef>
-          <a:fontRef idx="minor">
-            <a:schemeClr val="tx1"/>
-          </a:fontRef>
-        </p:style>
-      </p:cxnSp>
       <p:sp>
         <p:nvSpPr>
           <p:cNvPr id="58" name="Rectangle 57"/>
@@ -5511,7 +5333,7 @@
         </p:nvSpPr>
         <p:spPr>
           <a:xfrm>
-            <a:off x="2843808" y="2362006"/>
+            <a:off x="2758711" y="2355443"/>
             <a:ext cx="1040670" cy="523220"/>
           </a:xfrm>
           <a:prstGeom prst="rect">
@@ -5593,189 +5415,13 @@
       </p:sp>
       <p:sp>
         <p:nvSpPr>
-          <p:cNvPr id="59" name="Rectangle 58"/>
-          <p:cNvSpPr/>
-          <p:nvPr/>
-        </p:nvSpPr>
-        <p:spPr>
-          <a:xfrm>
-            <a:off x="4139952" y="2362006"/>
-            <a:ext cx="851515" cy="523220"/>
-          </a:xfrm>
-          <a:prstGeom prst="rect">
-            <a:avLst/>
-          </a:prstGeom>
-          <a:solidFill>
-            <a:schemeClr val="bg1"/>
-          </a:solidFill>
-          <a:ln w="6350"/>
-          <a:effectLst>
-            <a:outerShdw blurRad="50800" dist="38100" dir="2700000" algn="tl" rotWithShape="0">
-              <a:prstClr val="black">
-                <a:alpha val="40000"/>
-              </a:prstClr>
-            </a:outerShdw>
-          </a:effectLst>
-        </p:spPr>
-        <p:style>
-          <a:lnRef idx="2">
-            <a:schemeClr val="accent1">
-              <a:shade val="50000"/>
-            </a:schemeClr>
-          </a:lnRef>
-          <a:fillRef idx="1">
-            <a:schemeClr val="accent1"/>
-          </a:fillRef>
-          <a:effectRef idx="0">
-            <a:schemeClr val="accent1"/>
-          </a:effectRef>
-          <a:fontRef idx="minor">
-            <a:schemeClr val="lt1"/>
-          </a:fontRef>
-        </p:style>
-        <p:txBody>
-          <a:bodyPr wrap="none" rtlCol="0" anchor="ctr">
-            <a:spAutoFit/>
-          </a:bodyPr>
-          <a:lstStyle/>
-          <a:p>
-            <a:pPr algn="ctr"/>
-            <a:r>
-              <a:rPr lang="en-US" sz="1400" dirty="0" smtClean="0">
-                <a:solidFill>
-                  <a:schemeClr val="tx1"/>
-                </a:solidFill>
-                <a:latin typeface="Arial" panose="020B0604020202020204" pitchFamily="34" charset="0"/>
-                <a:cs typeface="Arial" panose="020B0604020202020204" pitchFamily="34" charset="0"/>
-              </a:rPr>
-              <a:t>Balance</a:t>
-            </a:r>
-            <a:br>
-              <a:rPr lang="en-US" sz="1400" dirty="0" smtClean="0">
-                <a:solidFill>
-                  <a:schemeClr val="tx1"/>
-                </a:solidFill>
-                <a:latin typeface="Arial" panose="020B0604020202020204" pitchFamily="34" charset="0"/>
-                <a:cs typeface="Arial" panose="020B0604020202020204" pitchFamily="34" charset="0"/>
-              </a:rPr>
-            </a:br>
-            <a:r>
-              <a:rPr lang="en-US" sz="1400" dirty="0" smtClean="0">
-                <a:solidFill>
-                  <a:schemeClr val="tx1"/>
-                </a:solidFill>
-                <a:latin typeface="Arial" panose="020B0604020202020204" pitchFamily="34" charset="0"/>
-                <a:cs typeface="Arial" panose="020B0604020202020204" pitchFamily="34" charset="0"/>
-              </a:rPr>
-              <a:t>Request</a:t>
-            </a:r>
-            <a:endParaRPr lang="en-US" sz="1400" dirty="0">
-              <a:solidFill>
-                <a:schemeClr val="tx1"/>
-              </a:solidFill>
-              <a:latin typeface="Arial" panose="020B0604020202020204" pitchFamily="34" charset="0"/>
-              <a:cs typeface="Arial" panose="020B0604020202020204" pitchFamily="34" charset="0"/>
-            </a:endParaRPr>
-          </a:p>
-        </p:txBody>
-      </p:sp>
-      <p:sp>
-        <p:nvSpPr>
-          <p:cNvPr id="60" name="Rectangle 59"/>
-          <p:cNvSpPr/>
-          <p:nvPr/>
-        </p:nvSpPr>
-        <p:spPr>
-          <a:xfrm>
-            <a:off x="5436096" y="2362006"/>
-            <a:ext cx="891591" cy="523220"/>
-          </a:xfrm>
-          <a:prstGeom prst="rect">
-            <a:avLst/>
-          </a:prstGeom>
-          <a:solidFill>
-            <a:schemeClr val="bg1"/>
-          </a:solidFill>
-          <a:ln w="6350"/>
-          <a:effectLst>
-            <a:outerShdw blurRad="50800" dist="38100" dir="2700000" algn="tl" rotWithShape="0">
-              <a:prstClr val="black">
-                <a:alpha val="40000"/>
-              </a:prstClr>
-            </a:outerShdw>
-          </a:effectLst>
-        </p:spPr>
-        <p:style>
-          <a:lnRef idx="2">
-            <a:schemeClr val="accent1">
-              <a:shade val="50000"/>
-            </a:schemeClr>
-          </a:lnRef>
-          <a:fillRef idx="1">
-            <a:schemeClr val="accent1"/>
-          </a:fillRef>
-          <a:effectRef idx="0">
-            <a:schemeClr val="accent1"/>
-          </a:effectRef>
-          <a:fontRef idx="minor">
-            <a:schemeClr val="lt1"/>
-          </a:fontRef>
-        </p:style>
-        <p:txBody>
-          <a:bodyPr wrap="none" rtlCol="0" anchor="ctr">
-            <a:spAutoFit/>
-          </a:bodyPr>
-          <a:lstStyle/>
-          <a:p>
-            <a:pPr algn="ctr"/>
-            <a:r>
-              <a:rPr lang="en-US" sz="1400" dirty="0" smtClean="0">
-                <a:solidFill>
-                  <a:schemeClr val="tx1"/>
-                </a:solidFill>
-                <a:latin typeface="Arial" panose="020B0604020202020204" pitchFamily="34" charset="0"/>
-                <a:cs typeface="Arial" panose="020B0604020202020204" pitchFamily="34" charset="0"/>
-              </a:rPr>
-              <a:t>Payment</a:t>
-            </a:r>
-            <a:br>
-              <a:rPr lang="en-US" sz="1400" dirty="0" smtClean="0">
-                <a:solidFill>
-                  <a:schemeClr val="tx1"/>
-                </a:solidFill>
-                <a:latin typeface="Arial" panose="020B0604020202020204" pitchFamily="34" charset="0"/>
-                <a:cs typeface="Arial" panose="020B0604020202020204" pitchFamily="34" charset="0"/>
-              </a:rPr>
-            </a:br>
-            <a:r>
-              <a:rPr lang="en-US" sz="1400" dirty="0" smtClean="0">
-                <a:solidFill>
-                  <a:schemeClr val="tx1"/>
-                </a:solidFill>
-                <a:latin typeface="Arial" panose="020B0604020202020204" pitchFamily="34" charset="0"/>
-                <a:cs typeface="Arial" panose="020B0604020202020204" pitchFamily="34" charset="0"/>
-              </a:rPr>
-              <a:t>Request</a:t>
-            </a:r>
-            <a:endParaRPr lang="en-US" sz="1400" dirty="0">
-              <a:solidFill>
-                <a:schemeClr val="tx1"/>
-              </a:solidFill>
-              <a:latin typeface="Arial" panose="020B0604020202020204" pitchFamily="34" charset="0"/>
-              <a:cs typeface="Arial" panose="020B0604020202020204" pitchFamily="34" charset="0"/>
-            </a:endParaRPr>
-          </a:p>
-        </p:txBody>
-      </p:sp>
-      <p:sp>
-        <p:nvSpPr>
           <p:cNvPr id="61" name="Rectangle 60"/>
           <p:cNvSpPr/>
           <p:nvPr/>
         </p:nvSpPr>
         <p:spPr>
           <a:xfrm>
-            <a:off x="5148064" y="1708015"/>
+            <a:off x="5373032" y="1708015"/>
             <a:ext cx="2007280" cy="307777"/>
           </a:xfrm>
           <a:prstGeom prst="rect">
@@ -5978,7 +5624,7 @@
         </p:nvSpPr>
         <p:spPr>
           <a:xfrm>
-            <a:off x="2496857" y="1708015"/>
+            <a:off x="2411760" y="1708015"/>
             <a:ext cx="562975" cy="307777"/>
           </a:xfrm>
           <a:prstGeom prst="rect">
@@ -6039,7 +5685,7 @@
         </p:nvGrpSpPr>
         <p:grpSpPr>
           <a:xfrm>
-            <a:off x="3491880" y="1635580"/>
+            <a:off x="3406783" y="1635580"/>
             <a:ext cx="357790" cy="502719"/>
             <a:chOff x="4671633" y="1375561"/>
             <a:chExt cx="357790" cy="502719"/>
@@ -6428,6 +6074,548 @@
             <a:endParaRPr lang="en-US" sz="2800" dirty="0">
               <a:latin typeface="Times New Roman" panose="02020603050405020304" pitchFamily="18" charset="0"/>
               <a:cs typeface="Times New Roman" panose="02020603050405020304" pitchFamily="18" charset="0"/>
+            </a:endParaRPr>
+          </a:p>
+        </p:txBody>
+      </p:sp>
+      <p:sp>
+        <p:nvSpPr>
+          <p:cNvPr id="65" name="Down Arrow 64"/>
+          <p:cNvSpPr/>
+          <p:nvPr/>
+        </p:nvSpPr>
+        <p:spPr>
+          <a:xfrm>
+            <a:off x="1321081" y="2018989"/>
+            <a:ext cx="214673" cy="1625936"/>
+          </a:xfrm>
+          <a:prstGeom prst="downArrow">
+            <a:avLst/>
+          </a:prstGeom>
+          <a:gradFill>
+            <a:gsLst>
+              <a:gs pos="0">
+                <a:schemeClr val="accent3">
+                  <a:lumMod val="75000"/>
+                </a:schemeClr>
+              </a:gs>
+              <a:gs pos="54000">
+                <a:schemeClr val="bg1"/>
+              </a:gs>
+              <a:gs pos="42000">
+                <a:schemeClr val="bg1"/>
+              </a:gs>
+              <a:gs pos="67000">
+                <a:schemeClr val="accent3">
+                  <a:lumMod val="40000"/>
+                  <a:lumOff val="60000"/>
+                </a:schemeClr>
+              </a:gs>
+              <a:gs pos="30000">
+                <a:schemeClr val="accent3">
+                  <a:lumMod val="40000"/>
+                  <a:lumOff val="60000"/>
+                </a:schemeClr>
+              </a:gs>
+              <a:gs pos="100000">
+                <a:schemeClr val="accent3">
+                  <a:lumMod val="75000"/>
+                </a:schemeClr>
+              </a:gs>
+            </a:gsLst>
+            <a:lin ang="0" scaled="0"/>
+          </a:gradFill>
+          <a:ln w="12700">
+            <a:solidFill>
+              <a:schemeClr val="accent3">
+                <a:lumMod val="50000"/>
+              </a:schemeClr>
+            </a:solidFill>
+          </a:ln>
+        </p:spPr>
+        <p:style>
+          <a:lnRef idx="2">
+            <a:schemeClr val="accent1">
+              <a:shade val="50000"/>
+            </a:schemeClr>
+          </a:lnRef>
+          <a:fillRef idx="1">
+            <a:schemeClr val="accent1"/>
+          </a:fillRef>
+          <a:effectRef idx="0">
+            <a:schemeClr val="accent1"/>
+          </a:effectRef>
+          <a:fontRef idx="minor">
+            <a:schemeClr val="lt1"/>
+          </a:fontRef>
+        </p:style>
+        <p:txBody>
+          <a:bodyPr rtlCol="0" anchor="ctr"/>
+          <a:lstStyle/>
+          <a:p>
+            <a:pPr algn="ctr"/>
+            <a:endParaRPr lang="en-US"/>
+          </a:p>
+        </p:txBody>
+      </p:sp>
+      <p:sp>
+        <p:nvSpPr>
+          <p:cNvPr id="18" name="Rectangle 17"/>
+          <p:cNvSpPr/>
+          <p:nvPr/>
+        </p:nvSpPr>
+        <p:spPr>
+          <a:xfrm>
+            <a:off x="962671" y="2362006"/>
+            <a:ext cx="912173" cy="523220"/>
+          </a:xfrm>
+          <a:prstGeom prst="rect">
+            <a:avLst/>
+          </a:prstGeom>
+          <a:solidFill>
+            <a:schemeClr val="bg1"/>
+          </a:solidFill>
+          <a:ln w="6350"/>
+          <a:effectLst>
+            <a:outerShdw blurRad="50800" dist="38100" dir="2700000" algn="tl" rotWithShape="0">
+              <a:prstClr val="black">
+                <a:alpha val="40000"/>
+              </a:prstClr>
+            </a:outerShdw>
+          </a:effectLst>
+        </p:spPr>
+        <p:style>
+          <a:lnRef idx="2">
+            <a:schemeClr val="accent1">
+              <a:shade val="50000"/>
+            </a:schemeClr>
+          </a:lnRef>
+          <a:fillRef idx="1">
+            <a:schemeClr val="accent1"/>
+          </a:fillRef>
+          <a:effectRef idx="0">
+            <a:schemeClr val="accent1"/>
+          </a:effectRef>
+          <a:fontRef idx="minor">
+            <a:schemeClr val="lt1"/>
+          </a:fontRef>
+        </p:style>
+        <p:txBody>
+          <a:bodyPr wrap="none" rtlCol="0" anchor="ctr">
+            <a:spAutoFit/>
+          </a:bodyPr>
+          <a:lstStyle/>
+          <a:p>
+            <a:pPr algn="ctr"/>
+            <a:r>
+              <a:rPr lang="en-US" sz="1400" dirty="0" smtClean="0">
+                <a:solidFill>
+                  <a:schemeClr val="tx1"/>
+                </a:solidFill>
+                <a:latin typeface="Arial" panose="020B0604020202020204" pitchFamily="34" charset="0"/>
+                <a:cs typeface="Arial" panose="020B0604020202020204" pitchFamily="34" charset="0"/>
+              </a:rPr>
+              <a:t>Standard</a:t>
+            </a:r>
+            <a:br>
+              <a:rPr lang="en-US" sz="1400" dirty="0" smtClean="0">
+                <a:solidFill>
+                  <a:schemeClr val="tx1"/>
+                </a:solidFill>
+                <a:latin typeface="Arial" panose="020B0604020202020204" pitchFamily="34" charset="0"/>
+                <a:cs typeface="Arial" panose="020B0604020202020204" pitchFamily="34" charset="0"/>
+              </a:rPr>
+            </a:br>
+            <a:r>
+              <a:rPr lang="en-US" sz="1400" dirty="0" smtClean="0">
+                <a:solidFill>
+                  <a:schemeClr val="tx1"/>
+                </a:solidFill>
+                <a:latin typeface="Arial" panose="020B0604020202020204" pitchFamily="34" charset="0"/>
+                <a:cs typeface="Arial" panose="020B0604020202020204" pitchFamily="34" charset="0"/>
+              </a:rPr>
+              <a:t>Mode</a:t>
+            </a:r>
+            <a:endParaRPr lang="en-US" sz="1400" dirty="0">
+              <a:solidFill>
+                <a:schemeClr val="tx1"/>
+              </a:solidFill>
+              <a:latin typeface="Arial" panose="020B0604020202020204" pitchFamily="34" charset="0"/>
+              <a:cs typeface="Arial" panose="020B0604020202020204" pitchFamily="34" charset="0"/>
+            </a:endParaRPr>
+          </a:p>
+        </p:txBody>
+      </p:sp>
+      <p:cxnSp>
+        <p:nvCxnSpPr>
+          <p:cNvPr id="75" name="Straight Connector 74"/>
+          <p:cNvCxnSpPr/>
+          <p:nvPr/>
+        </p:nvCxnSpPr>
+        <p:spPr>
+          <a:xfrm flipH="1" flipV="1">
+            <a:off x="3832735" y="2215849"/>
+            <a:ext cx="868909" cy="1351602"/>
+          </a:xfrm>
+          <a:prstGeom prst="line">
+            <a:avLst/>
+          </a:prstGeom>
+          <a:ln w="38100">
+            <a:solidFill>
+              <a:schemeClr val="accent1"/>
+            </a:solidFill>
+            <a:headEnd type="triangle"/>
+          </a:ln>
+        </p:spPr>
+        <p:style>
+          <a:lnRef idx="1">
+            <a:schemeClr val="accent1"/>
+          </a:lnRef>
+          <a:fillRef idx="0">
+            <a:schemeClr val="accent1"/>
+          </a:fillRef>
+          <a:effectRef idx="0">
+            <a:schemeClr val="accent1"/>
+          </a:effectRef>
+          <a:fontRef idx="minor">
+            <a:schemeClr val="tx1"/>
+          </a:fontRef>
+        </p:style>
+      </p:cxnSp>
+      <p:cxnSp>
+        <p:nvCxnSpPr>
+          <p:cNvPr id="76" name="Straight Connector 75"/>
+          <p:cNvCxnSpPr/>
+          <p:nvPr/>
+        </p:nvCxnSpPr>
+        <p:spPr>
+          <a:xfrm flipV="1">
+            <a:off x="5141968" y="2052686"/>
+            <a:ext cx="973801" cy="1514765"/>
+          </a:xfrm>
+          <a:prstGeom prst="line">
+            <a:avLst/>
+          </a:prstGeom>
+          <a:ln w="38100">
+            <a:solidFill>
+              <a:schemeClr val="accent4"/>
+            </a:solidFill>
+            <a:headEnd type="triangle"/>
+          </a:ln>
+        </p:spPr>
+        <p:style>
+          <a:lnRef idx="1">
+            <a:schemeClr val="accent1"/>
+          </a:lnRef>
+          <a:fillRef idx="0">
+            <a:schemeClr val="accent1"/>
+          </a:fillRef>
+          <a:effectRef idx="0">
+            <a:schemeClr val="accent1"/>
+          </a:effectRef>
+          <a:fontRef idx="minor">
+            <a:schemeClr val="tx1"/>
+          </a:fontRef>
+        </p:style>
+      </p:cxnSp>
+      <p:cxnSp>
+        <p:nvCxnSpPr>
+          <p:cNvPr id="77" name="Straight Connector 76"/>
+          <p:cNvCxnSpPr/>
+          <p:nvPr/>
+        </p:nvCxnSpPr>
+        <p:spPr>
+          <a:xfrm flipV="1">
+            <a:off x="5518907" y="2052686"/>
+            <a:ext cx="973801" cy="1514765"/>
+          </a:xfrm>
+          <a:prstGeom prst="line">
+            <a:avLst/>
+          </a:prstGeom>
+          <a:ln w="38100">
+            <a:solidFill>
+              <a:schemeClr val="accent3">
+                <a:lumMod val="75000"/>
+              </a:schemeClr>
+            </a:solidFill>
+            <a:headEnd type="triangle"/>
+          </a:ln>
+        </p:spPr>
+        <p:style>
+          <a:lnRef idx="1">
+            <a:schemeClr val="accent1"/>
+          </a:lnRef>
+          <a:fillRef idx="0">
+            <a:schemeClr val="accent1"/>
+          </a:fillRef>
+          <a:effectRef idx="0">
+            <a:schemeClr val="accent1"/>
+          </a:effectRef>
+          <a:fontRef idx="minor">
+            <a:schemeClr val="tx1"/>
+          </a:fontRef>
+        </p:style>
+      </p:cxnSp>
+      <p:sp>
+        <p:nvSpPr>
+          <p:cNvPr id="59" name="Rectangle 58"/>
+          <p:cNvSpPr/>
+          <p:nvPr/>
+        </p:nvSpPr>
+        <p:spPr>
+          <a:xfrm>
+            <a:off x="3996325" y="2355443"/>
+            <a:ext cx="851515" cy="523220"/>
+          </a:xfrm>
+          <a:prstGeom prst="rect">
+            <a:avLst/>
+          </a:prstGeom>
+          <a:solidFill>
+            <a:schemeClr val="bg1"/>
+          </a:solidFill>
+          <a:ln w="6350"/>
+          <a:effectLst>
+            <a:outerShdw blurRad="50800" dist="38100" dir="2700000" algn="tl" rotWithShape="0">
+              <a:prstClr val="black">
+                <a:alpha val="40000"/>
+              </a:prstClr>
+            </a:outerShdw>
+          </a:effectLst>
+        </p:spPr>
+        <p:style>
+          <a:lnRef idx="2">
+            <a:schemeClr val="accent1">
+              <a:shade val="50000"/>
+            </a:schemeClr>
+          </a:lnRef>
+          <a:fillRef idx="1">
+            <a:schemeClr val="accent1"/>
+          </a:fillRef>
+          <a:effectRef idx="0">
+            <a:schemeClr val="accent1"/>
+          </a:effectRef>
+          <a:fontRef idx="minor">
+            <a:schemeClr val="lt1"/>
+          </a:fontRef>
+        </p:style>
+        <p:txBody>
+          <a:bodyPr wrap="none" rtlCol="0" anchor="ctr">
+            <a:spAutoFit/>
+          </a:bodyPr>
+          <a:lstStyle/>
+          <a:p>
+            <a:pPr algn="ctr"/>
+            <a:r>
+              <a:rPr lang="en-US" sz="1400" dirty="0" smtClean="0">
+                <a:solidFill>
+                  <a:schemeClr val="tx1"/>
+                </a:solidFill>
+                <a:latin typeface="Arial" panose="020B0604020202020204" pitchFamily="34" charset="0"/>
+                <a:cs typeface="Arial" panose="020B0604020202020204" pitchFamily="34" charset="0"/>
+              </a:rPr>
+              <a:t>Balance</a:t>
+            </a:r>
+            <a:br>
+              <a:rPr lang="en-US" sz="1400" dirty="0" smtClean="0">
+                <a:solidFill>
+                  <a:schemeClr val="tx1"/>
+                </a:solidFill>
+                <a:latin typeface="Arial" panose="020B0604020202020204" pitchFamily="34" charset="0"/>
+                <a:cs typeface="Arial" panose="020B0604020202020204" pitchFamily="34" charset="0"/>
+              </a:rPr>
+            </a:br>
+            <a:r>
+              <a:rPr lang="en-US" sz="1400" dirty="0" smtClean="0">
+                <a:solidFill>
+                  <a:schemeClr val="tx1"/>
+                </a:solidFill>
+                <a:latin typeface="Arial" panose="020B0604020202020204" pitchFamily="34" charset="0"/>
+                <a:cs typeface="Arial" panose="020B0604020202020204" pitchFamily="34" charset="0"/>
+              </a:rPr>
+              <a:t>Request</a:t>
+            </a:r>
+            <a:endParaRPr lang="en-US" sz="1400" dirty="0">
+              <a:solidFill>
+                <a:schemeClr val="tx1"/>
+              </a:solidFill>
+              <a:latin typeface="Arial" panose="020B0604020202020204" pitchFamily="34" charset="0"/>
+              <a:cs typeface="Arial" panose="020B0604020202020204" pitchFamily="34" charset="0"/>
+            </a:endParaRPr>
+          </a:p>
+        </p:txBody>
+      </p:sp>
+      <p:sp>
+        <p:nvSpPr>
+          <p:cNvPr id="78" name="Rectangle 77"/>
+          <p:cNvSpPr/>
+          <p:nvPr/>
+        </p:nvSpPr>
+        <p:spPr>
+          <a:xfrm>
+            <a:off x="6040147" y="2355443"/>
+            <a:ext cx="971741" cy="523220"/>
+          </a:xfrm>
+          <a:prstGeom prst="rect">
+            <a:avLst/>
+          </a:prstGeom>
+          <a:solidFill>
+            <a:schemeClr val="bg1"/>
+          </a:solidFill>
+          <a:ln w="6350"/>
+          <a:effectLst>
+            <a:outerShdw blurRad="50800" dist="38100" dir="2700000" algn="tl" rotWithShape="0">
+              <a:prstClr val="black">
+                <a:alpha val="40000"/>
+              </a:prstClr>
+            </a:outerShdw>
+          </a:effectLst>
+        </p:spPr>
+        <p:style>
+          <a:lnRef idx="2">
+            <a:schemeClr val="accent1">
+              <a:shade val="50000"/>
+            </a:schemeClr>
+          </a:lnRef>
+          <a:fillRef idx="1">
+            <a:schemeClr val="accent1"/>
+          </a:fillRef>
+          <a:effectRef idx="0">
+            <a:schemeClr val="accent1"/>
+          </a:effectRef>
+          <a:fontRef idx="minor">
+            <a:schemeClr val="lt1"/>
+          </a:fontRef>
+        </p:style>
+        <p:txBody>
+          <a:bodyPr wrap="none" rtlCol="0" anchor="ctr">
+            <a:spAutoFit/>
+          </a:bodyPr>
+          <a:lstStyle/>
+          <a:p>
+            <a:pPr algn="ctr"/>
+            <a:r>
+              <a:rPr lang="en-US" sz="1400" dirty="0" smtClean="0">
+                <a:solidFill>
+                  <a:schemeClr val="tx1"/>
+                </a:solidFill>
+                <a:latin typeface="Arial" panose="020B0604020202020204" pitchFamily="34" charset="0"/>
+                <a:cs typeface="Arial" panose="020B0604020202020204" pitchFamily="34" charset="0"/>
+              </a:rPr>
+              <a:t>Service</a:t>
+            </a:r>
+            <a:br>
+              <a:rPr lang="en-US" sz="1400" dirty="0" smtClean="0">
+                <a:solidFill>
+                  <a:schemeClr val="tx1"/>
+                </a:solidFill>
+                <a:latin typeface="Arial" panose="020B0604020202020204" pitchFamily="34" charset="0"/>
+                <a:cs typeface="Arial" panose="020B0604020202020204" pitchFamily="34" charset="0"/>
+              </a:rPr>
+            </a:br>
+            <a:r>
+              <a:rPr lang="en-US" sz="1400" dirty="0" smtClean="0">
+                <a:solidFill>
+                  <a:schemeClr val="tx1"/>
+                </a:solidFill>
+                <a:latin typeface="Arial" panose="020B0604020202020204" pitchFamily="34" charset="0"/>
+                <a:cs typeface="Arial" panose="020B0604020202020204" pitchFamily="34" charset="0"/>
+              </a:rPr>
+              <a:t>Discovery</a:t>
+            </a:r>
+            <a:endParaRPr lang="en-US" sz="1400" dirty="0">
+              <a:solidFill>
+                <a:schemeClr val="tx1"/>
+              </a:solidFill>
+              <a:latin typeface="Arial" panose="020B0604020202020204" pitchFamily="34" charset="0"/>
+              <a:cs typeface="Arial" panose="020B0604020202020204" pitchFamily="34" charset="0"/>
+            </a:endParaRPr>
+          </a:p>
+        </p:txBody>
+      </p:sp>
+      <p:sp>
+        <p:nvSpPr>
+          <p:cNvPr id="60" name="Rectangle 59"/>
+          <p:cNvSpPr/>
+          <p:nvPr/>
+        </p:nvSpPr>
+        <p:spPr>
+          <a:xfrm>
+            <a:off x="4961376" y="2355443"/>
+            <a:ext cx="891591" cy="523220"/>
+          </a:xfrm>
+          <a:prstGeom prst="rect">
+            <a:avLst/>
+          </a:prstGeom>
+          <a:solidFill>
+            <a:schemeClr val="bg1"/>
+          </a:solidFill>
+          <a:ln w="6350"/>
+          <a:effectLst>
+            <a:outerShdw blurRad="50800" dist="38100" dir="2700000" algn="tl" rotWithShape="0">
+              <a:prstClr val="black">
+                <a:alpha val="40000"/>
+              </a:prstClr>
+            </a:outerShdw>
+          </a:effectLst>
+        </p:spPr>
+        <p:style>
+          <a:lnRef idx="2">
+            <a:schemeClr val="accent1">
+              <a:shade val="50000"/>
+            </a:schemeClr>
+          </a:lnRef>
+          <a:fillRef idx="1">
+            <a:schemeClr val="accent1"/>
+          </a:fillRef>
+          <a:effectRef idx="0">
+            <a:schemeClr val="accent1"/>
+          </a:effectRef>
+          <a:fontRef idx="minor">
+            <a:schemeClr val="lt1"/>
+          </a:fontRef>
+        </p:style>
+        <p:txBody>
+          <a:bodyPr wrap="none" rtlCol="0" anchor="ctr">
+            <a:spAutoFit/>
+          </a:bodyPr>
+          <a:lstStyle/>
+          <a:p>
+            <a:pPr algn="ctr"/>
+            <a:r>
+              <a:rPr lang="en-US" sz="1400" dirty="0" smtClean="0">
+                <a:solidFill>
+                  <a:schemeClr val="tx1"/>
+                </a:solidFill>
+                <a:latin typeface="Arial" panose="020B0604020202020204" pitchFamily="34" charset="0"/>
+                <a:cs typeface="Arial" panose="020B0604020202020204" pitchFamily="34" charset="0"/>
+              </a:rPr>
+              <a:t>Payment</a:t>
+            </a:r>
+            <a:br>
+              <a:rPr lang="en-US" sz="1400" dirty="0" smtClean="0">
+                <a:solidFill>
+                  <a:schemeClr val="tx1"/>
+                </a:solidFill>
+                <a:latin typeface="Arial" panose="020B0604020202020204" pitchFamily="34" charset="0"/>
+                <a:cs typeface="Arial" panose="020B0604020202020204" pitchFamily="34" charset="0"/>
+              </a:rPr>
+            </a:br>
+            <a:r>
+              <a:rPr lang="en-US" sz="1400" dirty="0" smtClean="0">
+                <a:solidFill>
+                  <a:schemeClr val="tx1"/>
+                </a:solidFill>
+                <a:latin typeface="Arial" panose="020B0604020202020204" pitchFamily="34" charset="0"/>
+                <a:cs typeface="Arial" panose="020B0604020202020204" pitchFamily="34" charset="0"/>
+              </a:rPr>
+              <a:t>Request</a:t>
+            </a:r>
+            <a:endParaRPr lang="en-US" sz="1400" dirty="0">
+              <a:solidFill>
+                <a:schemeClr val="tx1"/>
+              </a:solidFill>
+              <a:latin typeface="Arial" panose="020B0604020202020204" pitchFamily="34" charset="0"/>
+              <a:cs typeface="Arial" panose="020B0604020202020204" pitchFamily="34" charset="0"/>
             </a:endParaRPr>
           </a:p>
         </p:txBody>

--- a/payments/saturn-openbanking.pptx
+++ b/payments/saturn-openbanking.pptx
@@ -3476,7 +3476,7 @@
         </p:nvCxnSpPr>
         <p:spPr>
           <a:xfrm flipH="1" flipV="1">
-            <a:off x="3452058" y="2215849"/>
+            <a:off x="3511874" y="2215849"/>
             <a:ext cx="868909" cy="1351602"/>
           </a:xfrm>
           <a:prstGeom prst="line">
@@ -4204,37 +4204,7 @@
                 <a:latin typeface="Arial" panose="020B0604020202020204" pitchFamily="34" charset="0"/>
                 <a:cs typeface="Arial" panose="020B0604020202020204" pitchFamily="34" charset="0"/>
               </a:rPr>
-              <a:t>four</a:t>
-            </a:r>
-            <a:r>
-              <a:rPr lang="en-US" sz="1400" dirty="0" smtClean="0">
-                <a:solidFill>
-                  <a:schemeClr val="tx1"/>
-                </a:solidFill>
-                <a:latin typeface="Arial" panose="020B0604020202020204" pitchFamily="34" charset="0"/>
-                <a:cs typeface="Arial" panose="020B0604020202020204" pitchFamily="34" charset="0"/>
-              </a:rPr>
-              <a:t> dedicated APIs</a:t>
-            </a:r>
-            <a:r>
-              <a:rPr lang="en-US" sz="1400" dirty="0" smtClean="0">
-                <a:solidFill>
-                  <a:schemeClr val="tx1"/>
-                </a:solidFill>
-                <a:latin typeface="Arial" panose="020B0604020202020204" pitchFamily="34" charset="0"/>
-                <a:cs typeface="Arial" panose="020B0604020202020204" pitchFamily="34" charset="0"/>
-              </a:rPr>
-              <a:t>, </a:t>
-            </a:r>
-            <a:r>
-              <a:rPr lang="en-US" sz="1400" dirty="0" smtClean="0">
-                <a:solidFill>
-                  <a:schemeClr val="tx1"/>
-                </a:solidFill>
-                <a:latin typeface="Arial" panose="020B0604020202020204" pitchFamily="34" charset="0"/>
-                <a:cs typeface="Arial" panose="020B0604020202020204" pitchFamily="34" charset="0"/>
-              </a:rPr>
-              <a:t>each</a:t>
+              <a:t>four dedicated APIs, each</a:t>
             </a:r>
             <a:br>
               <a:rPr lang="en-US" sz="1400" dirty="0" smtClean="0">
@@ -4253,27 +4223,7 @@
                 <a:latin typeface="Arial" panose="020B0604020202020204" pitchFamily="34" charset="0"/>
                 <a:cs typeface="Arial" panose="020B0604020202020204" pitchFamily="34" charset="0"/>
               </a:rPr>
-              <a:t>having </a:t>
-            </a:r>
-            <a:r>
-              <a:rPr lang="en-US" sz="1400" dirty="0" smtClean="0">
-                <a:solidFill>
-                  <a:schemeClr val="tx1"/>
-                </a:solidFill>
-                <a:latin typeface="Arial" panose="020B0604020202020204" pitchFamily="34" charset="0"/>
-                <a:cs typeface="Arial" panose="020B0604020202020204" pitchFamily="34" charset="0"/>
-              </a:rPr>
-              <a:t>a for </a:t>
-            </a:r>
-            <a:r>
-              <a:rPr lang="en-US" sz="1400" dirty="0" smtClean="0">
-                <a:solidFill>
-                  <a:schemeClr val="tx1"/>
-                </a:solidFill>
-                <a:latin typeface="Arial" panose="020B0604020202020204" pitchFamily="34" charset="0"/>
-                <a:cs typeface="Arial" panose="020B0604020202020204" pitchFamily="34" charset="0"/>
-              </a:rPr>
-              <a:t>the purpose</a:t>
+              <a:t>having a for the purpose</a:t>
             </a:r>
             <a:br>
               <a:rPr lang="en-US" sz="1400" dirty="0" smtClean="0">
@@ -5300,7 +5250,7 @@
         </p:blipFill>
         <p:spPr bwMode="auto">
           <a:xfrm>
-            <a:off x="2891505" y="1628800"/>
+            <a:off x="2951321" y="1628800"/>
             <a:ext cx="459335" cy="459335"/>
           </a:xfrm>
           <a:prstGeom prst="rect">
@@ -5333,7 +5283,7 @@
         </p:nvSpPr>
         <p:spPr>
           <a:xfrm>
-            <a:off x="2758711" y="2355443"/>
+            <a:off x="2818527" y="2355443"/>
             <a:ext cx="1040670" cy="523220"/>
           </a:xfrm>
           <a:prstGeom prst="rect">
@@ -5421,7 +5371,7 @@
         </p:nvSpPr>
         <p:spPr>
           <a:xfrm>
-            <a:off x="5373032" y="1708015"/>
+            <a:off x="5432848" y="1708015"/>
             <a:ext cx="2007280" cy="307777"/>
           </a:xfrm>
           <a:prstGeom prst="rect">
@@ -5563,7 +5513,7 @@
         </p:nvSpPr>
         <p:spPr>
           <a:xfrm>
-            <a:off x="3832404" y="1708015"/>
+            <a:off x="3892220" y="1708015"/>
             <a:ext cx="1253613" cy="307777"/>
           </a:xfrm>
           <a:prstGeom prst="rect">
@@ -5624,7 +5574,7 @@
         </p:nvSpPr>
         <p:spPr>
           <a:xfrm>
-            <a:off x="2411760" y="1708015"/>
+            <a:off x="2471576" y="1708015"/>
             <a:ext cx="562975" cy="307777"/>
           </a:xfrm>
           <a:prstGeom prst="rect">
@@ -5685,7 +5635,7 @@
         </p:nvGrpSpPr>
         <p:grpSpPr>
           <a:xfrm>
-            <a:off x="3406783" y="1635580"/>
+            <a:off x="3466599" y="1635580"/>
             <a:ext cx="357790" cy="502719"/>
             <a:chOff x="4671633" y="1375561"/>
             <a:chExt cx="357790" cy="502719"/>
@@ -6254,7 +6204,7 @@
         </p:nvCxnSpPr>
         <p:spPr>
           <a:xfrm flipH="1" flipV="1">
-            <a:off x="3832735" y="2215849"/>
+            <a:off x="3892551" y="2215849"/>
             <a:ext cx="868909" cy="1351602"/>
           </a:xfrm>
           <a:prstGeom prst="line">
@@ -6290,7 +6240,7 @@
         </p:nvCxnSpPr>
         <p:spPr>
           <a:xfrm flipV="1">
-            <a:off x="5141968" y="2052686"/>
+            <a:off x="5201784" y="2052686"/>
             <a:ext cx="973801" cy="1514765"/>
           </a:xfrm>
           <a:prstGeom prst="line">
@@ -6326,7 +6276,7 @@
         </p:nvCxnSpPr>
         <p:spPr>
           <a:xfrm flipV="1">
-            <a:off x="5518907" y="2052686"/>
+            <a:off x="5578723" y="2052686"/>
             <a:ext cx="973801" cy="1514765"/>
           </a:xfrm>
           <a:prstGeom prst="line">
@@ -6364,7 +6314,7 @@
         </p:nvSpPr>
         <p:spPr>
           <a:xfrm>
-            <a:off x="3996325" y="2355443"/>
+            <a:off x="4056141" y="2355443"/>
             <a:ext cx="851515" cy="523220"/>
           </a:xfrm>
           <a:prstGeom prst="rect">
@@ -6452,7 +6402,7 @@
         </p:nvSpPr>
         <p:spPr>
           <a:xfrm>
-            <a:off x="6040147" y="2355443"/>
+            <a:off x="6099963" y="2355443"/>
             <a:ext cx="971741" cy="523220"/>
           </a:xfrm>
           <a:prstGeom prst="rect">
@@ -6540,7 +6490,7 @@
         </p:nvSpPr>
         <p:spPr>
           <a:xfrm>
-            <a:off x="4961376" y="2355443"/>
+            <a:off x="5021192" y="2355443"/>
             <a:ext cx="891591" cy="523220"/>
           </a:xfrm>
           <a:prstGeom prst="rect">

--- a/payments/saturn-openbanking.pptx
+++ b/payments/saturn-openbanking.pptx
@@ -288,7 +288,7 @@
           <a:p>
             <a:fld id="{FE398CD6-77FF-42E1-B299-E17665EBA674}" type="datetimeFigureOut">
               <a:rPr lang="en-US" smtClean="0"/>
-              <a:t>2020-06-04</a:t>
+              <a:t>2020-06-07</a:t>
             </a:fld>
             <a:endParaRPr lang="en-US"/>
           </a:p>
@@ -458,7 +458,7 @@
           <a:p>
             <a:fld id="{FE398CD6-77FF-42E1-B299-E17665EBA674}" type="datetimeFigureOut">
               <a:rPr lang="en-US" smtClean="0"/>
-              <a:t>2020-06-04</a:t>
+              <a:t>2020-06-07</a:t>
             </a:fld>
             <a:endParaRPr lang="en-US"/>
           </a:p>
@@ -638,7 +638,7 @@
           <a:p>
             <a:fld id="{FE398CD6-77FF-42E1-B299-E17665EBA674}" type="datetimeFigureOut">
               <a:rPr lang="en-US" smtClean="0"/>
-              <a:t>2020-06-04</a:t>
+              <a:t>2020-06-07</a:t>
             </a:fld>
             <a:endParaRPr lang="en-US"/>
           </a:p>
@@ -808,7 +808,7 @@
           <a:p>
             <a:fld id="{FE398CD6-77FF-42E1-B299-E17665EBA674}" type="datetimeFigureOut">
               <a:rPr lang="en-US" smtClean="0"/>
-              <a:t>2020-06-04</a:t>
+              <a:t>2020-06-07</a:t>
             </a:fld>
             <a:endParaRPr lang="en-US"/>
           </a:p>
@@ -1054,7 +1054,7 @@
           <a:p>
             <a:fld id="{FE398CD6-77FF-42E1-B299-E17665EBA674}" type="datetimeFigureOut">
               <a:rPr lang="en-US" smtClean="0"/>
-              <a:t>2020-06-04</a:t>
+              <a:t>2020-06-07</a:t>
             </a:fld>
             <a:endParaRPr lang="en-US"/>
           </a:p>
@@ -1342,7 +1342,7 @@
           <a:p>
             <a:fld id="{FE398CD6-77FF-42E1-B299-E17665EBA674}" type="datetimeFigureOut">
               <a:rPr lang="en-US" smtClean="0"/>
-              <a:t>2020-06-04</a:t>
+              <a:t>2020-06-07</a:t>
             </a:fld>
             <a:endParaRPr lang="en-US"/>
           </a:p>
@@ -1764,7 +1764,7 @@
           <a:p>
             <a:fld id="{FE398CD6-77FF-42E1-B299-E17665EBA674}" type="datetimeFigureOut">
               <a:rPr lang="en-US" smtClean="0"/>
-              <a:t>2020-06-04</a:t>
+              <a:t>2020-06-07</a:t>
             </a:fld>
             <a:endParaRPr lang="en-US"/>
           </a:p>
@@ -1882,7 +1882,7 @@
           <a:p>
             <a:fld id="{FE398CD6-77FF-42E1-B299-E17665EBA674}" type="datetimeFigureOut">
               <a:rPr lang="en-US" smtClean="0"/>
-              <a:t>2020-06-04</a:t>
+              <a:t>2020-06-07</a:t>
             </a:fld>
             <a:endParaRPr lang="en-US"/>
           </a:p>
@@ -1977,7 +1977,7 @@
           <a:p>
             <a:fld id="{FE398CD6-77FF-42E1-B299-E17665EBA674}" type="datetimeFigureOut">
               <a:rPr lang="en-US" smtClean="0"/>
-              <a:t>2020-06-04</a:t>
+              <a:t>2020-06-07</a:t>
             </a:fld>
             <a:endParaRPr lang="en-US"/>
           </a:p>
@@ -2254,7 +2254,7 @@
           <a:p>
             <a:fld id="{FE398CD6-77FF-42E1-B299-E17665EBA674}" type="datetimeFigureOut">
               <a:rPr lang="en-US" smtClean="0"/>
-              <a:t>2020-06-04</a:t>
+              <a:t>2020-06-07</a:t>
             </a:fld>
             <a:endParaRPr lang="en-US"/>
           </a:p>
@@ -2507,7 +2507,7 @@
           <a:p>
             <a:fld id="{FE398CD6-77FF-42E1-B299-E17665EBA674}" type="datetimeFigureOut">
               <a:rPr lang="en-US" smtClean="0"/>
-              <a:t>2020-06-04</a:t>
+              <a:t>2020-06-07</a:t>
             </a:fld>
             <a:endParaRPr lang="en-US"/>
           </a:p>
@@ -2720,7 +2720,7 @@
           <a:p>
             <a:fld id="{FE398CD6-77FF-42E1-B299-E17665EBA674}" type="datetimeFigureOut">
               <a:rPr lang="en-US" smtClean="0"/>
-              <a:t>2020-06-04</a:t>
+              <a:t>2020-06-07</a:t>
             </a:fld>
             <a:endParaRPr lang="en-US"/>
           </a:p>
@@ -4144,8 +4144,8 @@
         </p:nvSpPr>
         <p:spPr>
           <a:xfrm>
-            <a:off x="6300192" y="3651402"/>
-            <a:ext cx="2403222" cy="954107"/>
+            <a:off x="6300192" y="3289765"/>
+            <a:ext cx="2403222" cy="1677382"/>
           </a:xfrm>
           <a:prstGeom prst="rect">
             <a:avLst/>
@@ -4242,7 +4242,72 @@
                 <a:latin typeface="Arial" panose="020B0604020202020204" pitchFamily="34" charset="0"/>
                 <a:cs typeface="Arial" panose="020B0604020202020204" pitchFamily="34" charset="0"/>
               </a:rPr>
-              <a:t>optimized security model</a:t>
+              <a:t>optimized security </a:t>
+            </a:r>
+            <a:r>
+              <a:rPr lang="en-US" sz="1400" dirty="0" smtClean="0">
+                <a:solidFill>
+                  <a:schemeClr val="tx1"/>
+                </a:solidFill>
+                <a:latin typeface="Arial" panose="020B0604020202020204" pitchFamily="34" charset="0"/>
+                <a:cs typeface="Arial" panose="020B0604020202020204" pitchFamily="34" charset="0"/>
+              </a:rPr>
+              <a:t>model.</a:t>
+            </a:r>
+          </a:p>
+          <a:p>
+            <a:pPr>
+              <a:spcBef>
+                <a:spcPts val="600"/>
+              </a:spcBef>
+            </a:pPr>
+            <a:r>
+              <a:rPr lang="en-US" sz="1400" dirty="0" smtClean="0">
+                <a:solidFill>
+                  <a:schemeClr val="tx1"/>
+                </a:solidFill>
+                <a:latin typeface="Arial" panose="020B0604020202020204" pitchFamily="34" charset="0"/>
+                <a:cs typeface="Arial" panose="020B0604020202020204" pitchFamily="34" charset="0"/>
+              </a:rPr>
+              <a:t>Web Applications are used</a:t>
+            </a:r>
+            <a:br>
+              <a:rPr lang="en-US" sz="1400" dirty="0" smtClean="0">
+                <a:solidFill>
+                  <a:schemeClr val="tx1"/>
+                </a:solidFill>
+                <a:latin typeface="Arial" panose="020B0604020202020204" pitchFamily="34" charset="0"/>
+                <a:cs typeface="Arial" panose="020B0604020202020204" pitchFamily="34" charset="0"/>
+              </a:rPr>
+            </a:br>
+            <a:r>
+              <a:rPr lang="en-US" sz="1400" dirty="0" smtClean="0">
+                <a:solidFill>
+                  <a:schemeClr val="tx1"/>
+                </a:solidFill>
+                <a:latin typeface="Arial" panose="020B0604020202020204" pitchFamily="34" charset="0"/>
+                <a:cs typeface="Arial" panose="020B0604020202020204" pitchFamily="34" charset="0"/>
+              </a:rPr>
+              <a:t>for administration and user</a:t>
+            </a:r>
+            <a:br>
+              <a:rPr lang="en-US" sz="1400" dirty="0" smtClean="0">
+                <a:solidFill>
+                  <a:schemeClr val="tx1"/>
+                </a:solidFill>
+                <a:latin typeface="Arial" panose="020B0604020202020204" pitchFamily="34" charset="0"/>
+                <a:cs typeface="Arial" panose="020B0604020202020204" pitchFamily="34" charset="0"/>
+              </a:rPr>
+            </a:br>
+            <a:r>
+              <a:rPr lang="en-US" sz="1400" dirty="0" smtClean="0">
+                <a:solidFill>
+                  <a:schemeClr val="tx1"/>
+                </a:solidFill>
+                <a:latin typeface="Arial" panose="020B0604020202020204" pitchFamily="34" charset="0"/>
+                <a:cs typeface="Arial" panose="020B0604020202020204" pitchFamily="34" charset="0"/>
+              </a:rPr>
+              <a:t>enrollment purposes.</a:t>
             </a:r>
             <a:endParaRPr lang="en-US" sz="1400" dirty="0">
               <a:solidFill>

--- a/payments/saturn-openbanking.pptx
+++ b/payments/saturn-openbanking.pptx
@@ -288,7 +288,7 @@
           <a:p>
             <a:fld id="{FE398CD6-77FF-42E1-B299-E17665EBA674}" type="datetimeFigureOut">
               <a:rPr lang="en-US" smtClean="0"/>
-              <a:t>2020-06-07</a:t>
+              <a:t>2020-06-20</a:t>
             </a:fld>
             <a:endParaRPr lang="en-US"/>
           </a:p>
@@ -458,7 +458,7 @@
           <a:p>
             <a:fld id="{FE398CD6-77FF-42E1-B299-E17665EBA674}" type="datetimeFigureOut">
               <a:rPr lang="en-US" smtClean="0"/>
-              <a:t>2020-06-07</a:t>
+              <a:t>2020-06-20</a:t>
             </a:fld>
             <a:endParaRPr lang="en-US"/>
           </a:p>
@@ -638,7 +638,7 @@
           <a:p>
             <a:fld id="{FE398CD6-77FF-42E1-B299-E17665EBA674}" type="datetimeFigureOut">
               <a:rPr lang="en-US" smtClean="0"/>
-              <a:t>2020-06-07</a:t>
+              <a:t>2020-06-20</a:t>
             </a:fld>
             <a:endParaRPr lang="en-US"/>
           </a:p>
@@ -808,7 +808,7 @@
           <a:p>
             <a:fld id="{FE398CD6-77FF-42E1-B299-E17665EBA674}" type="datetimeFigureOut">
               <a:rPr lang="en-US" smtClean="0"/>
-              <a:t>2020-06-07</a:t>
+              <a:t>2020-06-20</a:t>
             </a:fld>
             <a:endParaRPr lang="en-US"/>
           </a:p>
@@ -1054,7 +1054,7 @@
           <a:p>
             <a:fld id="{FE398CD6-77FF-42E1-B299-E17665EBA674}" type="datetimeFigureOut">
               <a:rPr lang="en-US" smtClean="0"/>
-              <a:t>2020-06-07</a:t>
+              <a:t>2020-06-20</a:t>
             </a:fld>
             <a:endParaRPr lang="en-US"/>
           </a:p>
@@ -1342,7 +1342,7 @@
           <a:p>
             <a:fld id="{FE398CD6-77FF-42E1-B299-E17665EBA674}" type="datetimeFigureOut">
               <a:rPr lang="en-US" smtClean="0"/>
-              <a:t>2020-06-07</a:t>
+              <a:t>2020-06-20</a:t>
             </a:fld>
             <a:endParaRPr lang="en-US"/>
           </a:p>
@@ -1764,7 +1764,7 @@
           <a:p>
             <a:fld id="{FE398CD6-77FF-42E1-B299-E17665EBA674}" type="datetimeFigureOut">
               <a:rPr lang="en-US" smtClean="0"/>
-              <a:t>2020-06-07</a:t>
+              <a:t>2020-06-20</a:t>
             </a:fld>
             <a:endParaRPr lang="en-US"/>
           </a:p>
@@ -1882,7 +1882,7 @@
           <a:p>
             <a:fld id="{FE398CD6-77FF-42E1-B299-E17665EBA674}" type="datetimeFigureOut">
               <a:rPr lang="en-US" smtClean="0"/>
-              <a:t>2020-06-07</a:t>
+              <a:t>2020-06-20</a:t>
             </a:fld>
             <a:endParaRPr lang="en-US"/>
           </a:p>
@@ -1977,7 +1977,7 @@
           <a:p>
             <a:fld id="{FE398CD6-77FF-42E1-B299-E17665EBA674}" type="datetimeFigureOut">
               <a:rPr lang="en-US" smtClean="0"/>
-              <a:t>2020-06-07</a:t>
+              <a:t>2020-06-20</a:t>
             </a:fld>
             <a:endParaRPr lang="en-US"/>
           </a:p>
@@ -2254,7 +2254,7 @@
           <a:p>
             <a:fld id="{FE398CD6-77FF-42E1-B299-E17665EBA674}" type="datetimeFigureOut">
               <a:rPr lang="en-US" smtClean="0"/>
-              <a:t>2020-06-07</a:t>
+              <a:t>2020-06-20</a:t>
             </a:fld>
             <a:endParaRPr lang="en-US"/>
           </a:p>
@@ -2507,7 +2507,7 @@
           <a:p>
             <a:fld id="{FE398CD6-77FF-42E1-B299-E17665EBA674}" type="datetimeFigureOut">
               <a:rPr lang="en-US" smtClean="0"/>
-              <a:t>2020-06-07</a:t>
+              <a:t>2020-06-20</a:t>
             </a:fld>
             <a:endParaRPr lang="en-US"/>
           </a:p>
@@ -2720,7 +2720,7 @@
           <a:p>
             <a:fld id="{FE398CD6-77FF-42E1-B299-E17665EBA674}" type="datetimeFigureOut">
               <a:rPr lang="en-US" smtClean="0"/>
-              <a:t>2020-06-07</a:t>
+              <a:t>2020-06-20</a:t>
             </a:fld>
             <a:endParaRPr lang="en-US"/>
           </a:p>
@@ -3514,7 +3514,7 @@
         </p:nvGrpSpPr>
         <p:grpSpPr>
           <a:xfrm>
-            <a:off x="2572402" y="4797051"/>
+            <a:off x="2267744" y="4797051"/>
             <a:ext cx="1331011" cy="974851"/>
             <a:chOff x="4013200" y="3014663"/>
             <a:chExt cx="1117600" cy="828675"/>
@@ -4235,14 +4235,14 @@
               </a:rPr>
             </a:br>
             <a:r>
-              <a:rPr lang="en-US" sz="1400" dirty="0" smtClean="0">
+              <a:rPr lang="en-US" sz="1400" i="1" dirty="0" smtClean="0">
                 <a:solidFill>
                   <a:schemeClr val="tx1"/>
                 </a:solidFill>
                 <a:latin typeface="Arial" panose="020B0604020202020204" pitchFamily="34" charset="0"/>
                 <a:cs typeface="Arial" panose="020B0604020202020204" pitchFamily="34" charset="0"/>
               </a:rPr>
-              <a:t>optimized security </a:t>
+              <a:t>optimized security model</a:t>
             </a:r>
             <a:r>
               <a:rPr lang="en-US" sz="1400" dirty="0" smtClean="0">
@@ -4252,7 +4252,7 @@
                 <a:latin typeface="Arial" panose="020B0604020202020204" pitchFamily="34" charset="0"/>
                 <a:cs typeface="Arial" panose="020B0604020202020204" pitchFamily="34" charset="0"/>
               </a:rPr>
-              <a:t>model.</a:t>
+              <a:t>.</a:t>
             </a:r>
           </a:p>
           <a:p>
@@ -4288,7 +4288,27 @@
                 <a:latin typeface="Arial" panose="020B0604020202020204" pitchFamily="34" charset="0"/>
                 <a:cs typeface="Arial" panose="020B0604020202020204" pitchFamily="34" charset="0"/>
               </a:rPr>
-              <a:t>for administration and user</a:t>
+              <a:t>for </a:t>
+            </a:r>
+            <a:r>
+              <a:rPr lang="en-US" sz="1400" i="1" dirty="0" smtClean="0">
+                <a:solidFill>
+                  <a:schemeClr val="tx1"/>
+                </a:solidFill>
+                <a:latin typeface="Arial" panose="020B0604020202020204" pitchFamily="34" charset="0"/>
+                <a:cs typeface="Arial" panose="020B0604020202020204" pitchFamily="34" charset="0"/>
+              </a:rPr>
+              <a:t>administration</a:t>
+            </a:r>
+            <a:r>
+              <a:rPr lang="en-US" sz="1400" dirty="0" smtClean="0">
+                <a:solidFill>
+                  <a:schemeClr val="tx1"/>
+                </a:solidFill>
+                <a:latin typeface="Arial" panose="020B0604020202020204" pitchFamily="34" charset="0"/>
+                <a:cs typeface="Arial" panose="020B0604020202020204" pitchFamily="34" charset="0"/>
+              </a:rPr>
+              <a:t> and user</a:t>
             </a:r>
             <a:br>
               <a:rPr lang="en-US" sz="1400" dirty="0" smtClean="0">
@@ -6635,6 +6655,103 @@
           </a:p>
         </p:txBody>
       </p:sp>
+      <p:cxnSp>
+        <p:nvCxnSpPr>
+          <p:cNvPr id="29" name="Straight Arrow Connector 28"/>
+          <p:cNvCxnSpPr/>
+          <p:nvPr/>
+        </p:nvCxnSpPr>
+        <p:spPr>
+          <a:xfrm flipV="1">
+            <a:off x="3824235" y="4516596"/>
+            <a:ext cx="258789" cy="282802"/>
+          </a:xfrm>
+          <a:prstGeom prst="straightConnector1">
+            <a:avLst/>
+          </a:prstGeom>
+          <a:ln w="15875">
+            <a:solidFill>
+              <a:schemeClr val="tx1"/>
+            </a:solidFill>
+            <a:tailEnd type="triangle" w="sm" len="sm"/>
+          </a:ln>
+        </p:spPr>
+        <p:style>
+          <a:lnRef idx="1">
+            <a:schemeClr val="accent1"/>
+          </a:lnRef>
+          <a:fillRef idx="0">
+            <a:schemeClr val="accent1"/>
+          </a:fillRef>
+          <a:effectRef idx="0">
+            <a:schemeClr val="accent1"/>
+          </a:effectRef>
+          <a:fontRef idx="minor">
+            <a:schemeClr val="tx1"/>
+          </a:fontRef>
+        </p:style>
+      </p:cxnSp>
+      <p:sp>
+        <p:nvSpPr>
+          <p:cNvPr id="68" name="Rectangle 67"/>
+          <p:cNvSpPr/>
+          <p:nvPr/>
+        </p:nvSpPr>
+        <p:spPr>
+          <a:xfrm>
+            <a:off x="3491880" y="4777407"/>
+            <a:ext cx="692818" cy="307777"/>
+          </a:xfrm>
+          <a:prstGeom prst="rect">
+            <a:avLst/>
+          </a:prstGeom>
+          <a:noFill/>
+          <a:ln w="6350">
+            <a:noFill/>
+          </a:ln>
+        </p:spPr>
+        <p:style>
+          <a:lnRef idx="2">
+            <a:schemeClr val="accent1">
+              <a:shade val="50000"/>
+            </a:schemeClr>
+          </a:lnRef>
+          <a:fillRef idx="1">
+            <a:schemeClr val="accent1"/>
+          </a:fillRef>
+          <a:effectRef idx="0">
+            <a:schemeClr val="accent1"/>
+          </a:effectRef>
+          <a:fontRef idx="minor">
+            <a:schemeClr val="lt1"/>
+          </a:fontRef>
+        </p:style>
+        <p:txBody>
+          <a:bodyPr wrap="none" rtlCol="0" anchor="ctr">
+            <a:spAutoFit/>
+          </a:bodyPr>
+          <a:lstStyle/>
+          <a:p>
+            <a:r>
+              <a:rPr lang="en-US" sz="1400" dirty="0" smtClean="0">
+                <a:solidFill>
+                  <a:schemeClr val="tx1"/>
+                </a:solidFill>
+                <a:latin typeface="Arial" panose="020B0604020202020204" pitchFamily="34" charset="0"/>
+                <a:cs typeface="Arial" panose="020B0604020202020204" pitchFamily="34" charset="0"/>
+              </a:rPr>
+              <a:t>Admin</a:t>
+            </a:r>
+            <a:endParaRPr lang="en-US" sz="1400" dirty="0">
+              <a:solidFill>
+                <a:schemeClr val="tx1"/>
+              </a:solidFill>
+              <a:latin typeface="Arial" panose="020B0604020202020204" pitchFamily="34" charset="0"/>
+              <a:cs typeface="Arial" panose="020B0604020202020204" pitchFamily="34" charset="0"/>
+            </a:endParaRPr>
+          </a:p>
+        </p:txBody>
+      </p:sp>
     </p:spTree>
     <p:extLst>
       <p:ext uri="{BB962C8B-B14F-4D97-AF65-F5344CB8AC3E}">
